--- a/Week 1/W1D1_ Python Basics _Hello World_ in Jupyter.pptx
+++ b/Week 1/W1D1_ Python Basics _Hello World_ in Jupyter.pptx
@@ -27,7 +27,7 @@
       <p:boldItalic r:id="rId13"/>
     </p:embeddedFont>
     <p:embeddedFont>
-      <p:font typeface="Roboto" panose="020B0604020202020204" charset="0"/>
+      <p:font typeface="Roboto" panose="02000000000000000000" pitchFamily="2" charset="0"/>
       <p:regular r:id="rId14"/>
       <p:bold r:id="rId15"/>
       <p:italic r:id="rId16"/>
@@ -150,6 +150,9 @@
           </p15:clr>
         </p15:guide>
       </p15:sldGuideLst>
+    </p:ext>
+    <p:ext uri="{2D200454-40CA-4A62-9FC3-DE9A4176ACB9}">
+      <p15:notesGuideLst xmlns:p15="http://schemas.microsoft.com/office/powerpoint/2012/main"/>
     </p:ext>
   </p:extLst>
 </p:presentation>
@@ -2311,15 +2314,7 @@
             <a:pPr lvl="0"/>
             <a:r>
               <a:rPr lang="en-US" dirty="0"/>
-              <a:t>Navigating Jupyter and </a:t>
-            </a:r>
-            <a:r>
-              <a:rPr lang="en-US"/>
-              <a:t>Running Our </a:t>
-            </a:r>
-            <a:r>
-              <a:rPr lang="en-US" dirty="0"/>
-              <a:t>First Python Code </a:t>
+              <a:t>Navigating Jupyter and Running Our First Python Code </a:t>
             </a:r>
           </a:p>
           <a:p>
@@ -2333,7 +2328,7 @@
             <a:pPr lvl="0"/>
             <a:r>
               <a:rPr lang="en-US" dirty="0"/>
-              <a:t>Section 3, Spring 2021</a:t>
+              <a:t>Fall 2021</a:t>
             </a:r>
           </a:p>
           <a:p>
@@ -3301,7 +3296,7 @@
                 <a:cs typeface="Courier New" panose="02070309020205020404" pitchFamily="49" charset="0"/>
                 <a:sym typeface="Spectral Light"/>
               </a:rPr>
-              <a:t>print(“Hello World” )</a:t>
+              <a:t>print(“Hello World”)</a:t>
             </a:r>
             <a:endParaRPr dirty="0">
               <a:latin typeface="Courier New" panose="02070309020205020404" pitchFamily="49" charset="0"/>
